--- a/otel teoria/Day 2 session Rozwiazywanie Problemow i Analiza.pptx
+++ b/otel teoria/Day 2 session Rozwiazywanie Problemow i Analiza.pptx
@@ -219,7 +219,7 @@
           <a:p>
             <a:fld id="{12BE96A9-8568-7D4F-9EBB-68C1A5D465DD}" type="datetimeFigureOut">
               <a:rPr lang="pl-PL" smtClean="0"/>
-              <a:t>29.09.2024</a:t>
+              <a:t>1.10.2024</a:t>
             </a:fld>
             <a:endParaRPr lang="pl-PL"/>
           </a:p>
@@ -666,7 +666,7 @@
           <a:p>
             <a:fld id="{5BCAD085-E8A6-8845-BD4E-CB4CCA059FC4}" type="datetimeFigureOut">
               <a:rPr lang="en-US" smtClean="0"/>
-              <a:t>9/29/24</a:t>
+              <a:t>10/1/24</a:t>
             </a:fld>
             <a:endParaRPr lang="en-US"/>
           </a:p>
@@ -834,7 +834,7 @@
           <a:p>
             <a:fld id="{5BCAD085-E8A6-8845-BD4E-CB4CCA059FC4}" type="datetimeFigureOut">
               <a:rPr lang="en-US" smtClean="0"/>
-              <a:t>9/29/24</a:t>
+              <a:t>10/1/24</a:t>
             </a:fld>
             <a:endParaRPr lang="en-US"/>
           </a:p>
@@ -1012,7 +1012,7 @@
           <a:p>
             <a:fld id="{5BCAD085-E8A6-8845-BD4E-CB4CCA059FC4}" type="datetimeFigureOut">
               <a:rPr lang="en-US" smtClean="0"/>
-              <a:t>9/29/24</a:t>
+              <a:t>10/1/24</a:t>
             </a:fld>
             <a:endParaRPr lang="en-US"/>
           </a:p>
@@ -1180,7 +1180,7 @@
           <a:p>
             <a:fld id="{5BCAD085-E8A6-8845-BD4E-CB4CCA059FC4}" type="datetimeFigureOut">
               <a:rPr lang="en-US" smtClean="0"/>
-              <a:t>9/29/24</a:t>
+              <a:t>10/1/24</a:t>
             </a:fld>
             <a:endParaRPr lang="en-US"/>
           </a:p>
@@ -1425,7 +1425,7 @@
           <a:p>
             <a:fld id="{5BCAD085-E8A6-8845-BD4E-CB4CCA059FC4}" type="datetimeFigureOut">
               <a:rPr lang="en-US" smtClean="0"/>
-              <a:t>9/29/24</a:t>
+              <a:t>10/1/24</a:t>
             </a:fld>
             <a:endParaRPr lang="en-US"/>
           </a:p>
@@ -1710,7 +1710,7 @@
           <a:p>
             <a:fld id="{5BCAD085-E8A6-8845-BD4E-CB4CCA059FC4}" type="datetimeFigureOut">
               <a:rPr lang="en-US" smtClean="0"/>
-              <a:t>9/29/24</a:t>
+              <a:t>10/1/24</a:t>
             </a:fld>
             <a:endParaRPr lang="en-US"/>
           </a:p>
@@ -2129,7 +2129,7 @@
           <a:p>
             <a:fld id="{5BCAD085-E8A6-8845-BD4E-CB4CCA059FC4}" type="datetimeFigureOut">
               <a:rPr lang="en-US" smtClean="0"/>
-              <a:t>9/29/24</a:t>
+              <a:t>10/1/24</a:t>
             </a:fld>
             <a:endParaRPr lang="en-US"/>
           </a:p>
@@ -2246,7 +2246,7 @@
           <a:p>
             <a:fld id="{5BCAD085-E8A6-8845-BD4E-CB4CCA059FC4}" type="datetimeFigureOut">
               <a:rPr lang="en-US" smtClean="0"/>
-              <a:t>9/29/24</a:t>
+              <a:t>10/1/24</a:t>
             </a:fld>
             <a:endParaRPr lang="en-US"/>
           </a:p>
@@ -2341,7 +2341,7 @@
           <a:p>
             <a:fld id="{5BCAD085-E8A6-8845-BD4E-CB4CCA059FC4}" type="datetimeFigureOut">
               <a:rPr lang="en-US" smtClean="0"/>
-              <a:t>9/29/24</a:t>
+              <a:t>10/1/24</a:t>
             </a:fld>
             <a:endParaRPr lang="en-US"/>
           </a:p>
@@ -2616,7 +2616,7 @@
           <a:p>
             <a:fld id="{5BCAD085-E8A6-8845-BD4E-CB4CCA059FC4}" type="datetimeFigureOut">
               <a:rPr lang="en-US" smtClean="0"/>
-              <a:t>9/29/24</a:t>
+              <a:t>10/1/24</a:t>
             </a:fld>
             <a:endParaRPr lang="en-US"/>
           </a:p>
@@ -2868,7 +2868,7 @@
           <a:p>
             <a:fld id="{5BCAD085-E8A6-8845-BD4E-CB4CCA059FC4}" type="datetimeFigureOut">
               <a:rPr lang="en-US" smtClean="0"/>
-              <a:t>9/29/24</a:t>
+              <a:t>10/1/24</a:t>
             </a:fld>
             <a:endParaRPr lang="en-US"/>
           </a:p>
@@ -3079,7 +3079,7 @@
           <a:p>
             <a:fld id="{5BCAD085-E8A6-8845-BD4E-CB4CCA059FC4}" type="datetimeFigureOut">
               <a:rPr lang="en-US" smtClean="0"/>
-              <a:t>9/29/24</a:t>
+              <a:t>10/1/24</a:t>
             </a:fld>
             <a:endParaRPr lang="en-US"/>
           </a:p>
@@ -3500,47 +3500,34 @@
           <a:bodyPr/>
           <a:lstStyle/>
           <a:p>
-            <a:r>
-              <a:rPr dirty="0"/>
-              <a:t>Plan </a:t>
-            </a:r>
-            <a:r>
-              <a:rPr dirty="0" err="1"/>
-              <a:t>szkolenia</a:t>
-            </a:r>
-            <a:r>
-              <a:rPr dirty="0"/>
-              <a:t> z </a:t>
-            </a:r>
-            <a:r>
-              <a:rPr dirty="0" err="1"/>
-              <a:t>dodatkowymi</a:t>
-            </a:r>
-            <a:r>
-              <a:rPr dirty="0"/>
+            <a:pPr marL="400050" lvl="1"/>
+            <a:r>
+              <a:rPr lang="en-GB" sz="3200" dirty="0" err="1"/>
+              <a:t>Rozwiązywanie</a:t>
+            </a:r>
+            <a:r>
+              <a:rPr lang="en-GB" sz="3200" dirty="0"/>
               <a:t> </a:t>
             </a:r>
-            <a:r>
-              <a:rPr dirty="0" err="1"/>
-              <a:t>materiałami</a:t>
-            </a:r>
-            <a:r>
-              <a:rPr dirty="0"/>
+            <a:br>
+              <a:rPr lang="en-GB" sz="3200" dirty="0"/>
+            </a:br>
+            <a:r>
+              <a:rPr lang="en-GB" sz="3200" dirty="0" err="1"/>
+              <a:t>Problemów</a:t>
+            </a:r>
+            <a:r>
+              <a:rPr lang="en-GB" sz="3200" dirty="0"/>
               <a:t> </a:t>
             </a:r>
             <a:r>
-              <a:rPr dirty="0" err="1"/>
+              <a:rPr lang="en-GB" sz="3200" dirty="0" err="1"/>
               <a:t>i</a:t>
             </a:r>
             <a:r>
-              <a:rPr dirty="0"/>
-              <a:t> </a:t>
-            </a:r>
-            <a:r>
-              <a:rPr dirty="0" err="1"/>
-              <a:t>przykładami</a:t>
-            </a:r>
-            <a:endParaRPr dirty="0"/>
+              <a:rPr lang="en-GB" sz="3200" dirty="0"/>
+              <a:t> Analiza</a:t>
+            </a:r>
           </a:p>
         </p:txBody>
       </p:sp>
@@ -3634,7 +3621,7 @@
                   <a:srgbClr val="00FF00"/>
                 </a:highlight>
               </a:rPr>
-              <a:t>Sesja 3: Rozwiazywanie problemów i analiza</a:t>
+              <a:t>Sesja 2: Rozwiazywanie problemów i analiza</a:t>
             </a:r>
             <a:endParaRPr lang="en-GB" sz="2000" dirty="0">
               <a:highlight>
@@ -4049,7 +4036,7 @@
                   <a:srgbClr val="00FF00"/>
                 </a:highlight>
               </a:rPr>
-              <a:t>Sesja 3: Rozwiazywanie problemów i analiza</a:t>
+              <a:t>Sesja 2: Rozwiazywanie problemów i analiza</a:t>
             </a:r>
             <a:endParaRPr lang="en-GB" sz="2000" dirty="0">
               <a:highlight>
@@ -4557,7 +4544,7 @@
             </a:r>
             <a:r>
               <a:rPr lang="en-GB" sz="1400" dirty="0" err="1"/>
-              <a:t>Wizualizacja</a:t>
+              <a:t>Zaawansowane</a:t>
             </a:r>
             <a:r>
               <a:rPr lang="en-GB" sz="1400" dirty="0"/>
@@ -4565,60 +4552,12 @@
             </a:r>
             <a:r>
               <a:rPr lang="en-GB" sz="1400" dirty="0" err="1"/>
-              <a:t>Danych</a:t>
+              <a:t>Tematy</a:t>
             </a:r>
             <a:r>
               <a:rPr lang="en-GB" sz="1400" dirty="0"/>
-              <a:t> </a:t>
-            </a:r>
-            <a:r>
-              <a:rPr lang="en-GB" sz="1400" dirty="0" err="1"/>
-              <a:t>Telemetrycznych</a:t>
-            </a:r>
-            <a:r>
-              <a:rPr lang="en-GB" sz="1400" dirty="0"/>
-              <a:t> z </a:t>
-            </a:r>
-            <a:r>
-              <a:rPr lang="en-GB" sz="1400" dirty="0" err="1"/>
-              <a:t>Grafaną</a:t>
-            </a:r>
-            <a:endParaRPr lang="en-GB" sz="1400" dirty="0"/>
-          </a:p>
-          <a:p>
-            <a:pPr marL="571500" lvl="1" indent="-171450">
-              <a:buFont typeface="Arial" panose="020B0604020202020204" pitchFamily="34" charset="0"/>
-              <a:buChar char="•"/>
-            </a:pPr>
-            <a:r>
-              <a:rPr lang="en-GB" sz="1400" dirty="0" err="1"/>
-              <a:t>Sesja</a:t>
-            </a:r>
-            <a:r>
-              <a:rPr lang="en-GB" sz="1400" dirty="0"/>
-              <a:t> 2: </a:t>
-            </a:r>
-            <a:r>
-              <a:rPr lang="en-GB" sz="1400" dirty="0" err="1"/>
-              <a:t>Zaawansowane</a:t>
-            </a:r>
-            <a:r>
-              <a:rPr lang="en-GB" sz="1400" dirty="0"/>
-              <a:t> </a:t>
-            </a:r>
-            <a:r>
-              <a:rPr lang="en-GB" sz="1400" dirty="0" err="1"/>
-              <a:t>Tematy</a:t>
-            </a:r>
-            <a:r>
-              <a:rPr lang="en-GB" sz="1400" dirty="0"/>
-              <a:t> </a:t>
-            </a:r>
-            <a:r>
-              <a:rPr lang="en-GB" sz="1400" dirty="0" err="1"/>
-              <a:t>OpenTelemetry</a:t>
-            </a:r>
-            <a:endParaRPr lang="en-GB" sz="1400" dirty="0"/>
+              <a:t> OpenTelemetry</a:t>
+            </a:r>
           </a:p>
           <a:p>
             <a:pPr marL="571500" lvl="1" indent="-171450">
@@ -4639,7 +4578,7 @@
                   <a:srgbClr val="00FF00"/>
                 </a:highlight>
               </a:rPr>
-              <a:t> 3: </a:t>
+              <a:t> 2: </a:t>
             </a:r>
             <a:r>
               <a:rPr lang="en-GB" sz="1400" dirty="0" err="1">
@@ -4689,6 +4628,49 @@
               </a:rPr>
               <a:t> Analiza</a:t>
             </a:r>
+          </a:p>
+          <a:p>
+            <a:pPr marL="571500" lvl="1" indent="-171450">
+              <a:buFont typeface="Arial" panose="020B0604020202020204" pitchFamily="34" charset="0"/>
+              <a:buChar char="•"/>
+            </a:pPr>
+            <a:r>
+              <a:rPr lang="en-GB" sz="1400" dirty="0" err="1"/>
+              <a:t>Sesja</a:t>
+            </a:r>
+            <a:r>
+              <a:rPr lang="en-GB" sz="1400" dirty="0"/>
+              <a:t> 3: </a:t>
+            </a:r>
+            <a:r>
+              <a:rPr lang="en-GB" sz="1400" dirty="0" err="1"/>
+              <a:t>Wizualizacja</a:t>
+            </a:r>
+            <a:r>
+              <a:rPr lang="en-GB" sz="1400" dirty="0"/>
+              <a:t> </a:t>
+            </a:r>
+            <a:r>
+              <a:rPr lang="en-GB" sz="1400" dirty="0" err="1"/>
+              <a:t>Danych</a:t>
+            </a:r>
+            <a:r>
+              <a:rPr lang="en-GB" sz="1400" dirty="0"/>
+              <a:t> </a:t>
+            </a:r>
+            <a:r>
+              <a:rPr lang="en-GB" sz="1400" dirty="0" err="1"/>
+              <a:t>Telemetrycznych</a:t>
+            </a:r>
+            <a:r>
+              <a:rPr lang="en-GB" sz="1400" dirty="0"/>
+              <a:t> z </a:t>
+            </a:r>
+            <a:r>
+              <a:rPr lang="en-GB" sz="1400" dirty="0" err="1"/>
+              <a:t>Grafaną</a:t>
+            </a:r>
+            <a:endParaRPr lang="en-GB" sz="1400" dirty="0"/>
           </a:p>
           <a:p>
             <a:pPr marL="571500" lvl="1" indent="-171450">
@@ -4804,7 +4786,7 @@
                   <a:srgbClr val="00FF00"/>
                 </a:highlight>
               </a:rPr>
-              <a:t>Sesja 3: Rozwiazywanie problemów i analiza</a:t>
+              <a:t>Sesja 2: Rozwiazywanie problemów i analiza</a:t>
             </a:r>
             <a:endParaRPr lang="pl-PL" sz="2000" dirty="0">
               <a:highlight>
@@ -4950,7 +4932,7 @@
                   <a:srgbClr val="00FF00"/>
                 </a:highlight>
               </a:rPr>
-              <a:t>Sesja 3: Rozwiazywanie problemów i analiza</a:t>
+              <a:t>Sesja 2: Rozwiazywanie problemów i analiza</a:t>
             </a:r>
             <a:endParaRPr lang="en-GB" sz="2000" dirty="0">
               <a:highlight>
@@ -5309,7 +5291,7 @@
                   <a:srgbClr val="00FF00"/>
                 </a:highlight>
               </a:rPr>
-              <a:t>Sesja 3: Rozwiazywanie problemów i analiza</a:t>
+              <a:t>Sesja 2: Rozwiazywanie problemów i analiza</a:t>
             </a:r>
             <a:endParaRPr lang="en-GB" sz="2000" dirty="0">
               <a:highlight>
@@ -5542,7 +5524,7 @@
                   <a:srgbClr val="00FF00"/>
                 </a:highlight>
               </a:rPr>
-              <a:t>Sesja 3: Rozwiazywanie problemów i analiza</a:t>
+              <a:t>Sesja 2: Rozwiazywanie problemów i analiza</a:t>
             </a:r>
             <a:endParaRPr lang="en-GB" sz="2000" dirty="0">
               <a:highlight>
@@ -5745,7 +5727,7 @@
                   <a:srgbClr val="00FF00"/>
                 </a:highlight>
               </a:rPr>
-              <a:t>Sesja 3: Rozwiazywanie problemów i analiza</a:t>
+              <a:t>Sesja 2: Rozwiazywanie problemów i analiza</a:t>
             </a:r>
             <a:endParaRPr lang="en-GB" sz="2000" dirty="0">
               <a:highlight>
@@ -5989,7 +5971,7 @@
                   <a:srgbClr val="00FF00"/>
                 </a:highlight>
               </a:rPr>
-              <a:t>Sesja 3: Rozwiazywanie problemów i analiza</a:t>
+              <a:t>Sesja 2: Rozwiazywanie problemów i analiza</a:t>
             </a:r>
             <a:endParaRPr lang="en-GB" sz="2000" dirty="0">
               <a:highlight>
@@ -6166,7 +6148,7 @@
                   <a:srgbClr val="00FF00"/>
                 </a:highlight>
               </a:rPr>
-              <a:t>Sesja 3: Rozwiazywanie problemów i analiza</a:t>
+              <a:t>Sesja 2: Rozwiazywanie problemów i analiza</a:t>
             </a:r>
             <a:endParaRPr lang="en-GB" sz="2000" dirty="0">
               <a:highlight>
